--- a/images/security-drawings.pptx
+++ b/images/security-drawings.pptx
@@ -109,6 +109,11 @@
       </a:defRPr>
     </a:lvl9pPr>
   </p:defaultTextStyle>
+  <p:extLst>
+    <p:ext uri="{EFAFB233-063F-42B5-8137-9DF3F51BA10A}">
+      <p15:sldGuideLst xmlns:p15="http://schemas.microsoft.com/office/powerpoint/2012/main"/>
+    </p:ext>
+  </p:extLst>
 </p:presentation>
 </file>
 
@@ -3514,8 +3519,8 @@
         </p:nvSpPr>
         <p:spPr>
           <a:xfrm>
-            <a:off x="0" y="141850"/>
-            <a:ext cx="11887200" cy="6858000"/>
+            <a:off x="70156" y="92160"/>
+            <a:ext cx="11676733" cy="6639790"/>
           </a:xfrm>
           <a:prstGeom prst="rect">
             <a:avLst/>
@@ -3572,7 +3577,7 @@
         </p:nvSpPr>
         <p:spPr>
           <a:xfrm>
-            <a:off x="652157" y="6362618"/>
+            <a:off x="652157" y="6321522"/>
             <a:ext cx="10582886" cy="369332"/>
           </a:xfrm>
           <a:prstGeom prst="rect">
@@ -3609,9 +3614,9 @@
         <p:grpSpPr>
           <a:xfrm>
             <a:off x="147484" y="237548"/>
-            <a:ext cx="11739716" cy="6382904"/>
+            <a:ext cx="11599403" cy="6382904"/>
             <a:chOff x="624905" y="603207"/>
-            <a:chExt cx="10800634" cy="5642943"/>
+            <a:chExt cx="10671547" cy="5642943"/>
           </a:xfrm>
         </p:grpSpPr>
         <p:sp>
@@ -6511,7 +6516,7 @@
           </p:nvSpPr>
           <p:spPr>
             <a:xfrm>
-              <a:off x="8927960" y="5390531"/>
+              <a:off x="8795626" y="5390531"/>
               <a:ext cx="2497579" cy="855619"/>
             </a:xfrm>
             <a:prstGeom prst="rect">
@@ -6577,8 +6582,8 @@
         </p:nvSpPr>
         <p:spPr>
           <a:xfrm>
-            <a:off x="0" y="0"/>
-            <a:ext cx="11887200" cy="6858000"/>
+            <a:off x="39882" y="58046"/>
+            <a:ext cx="11754851" cy="6691031"/>
           </a:xfrm>
           <a:prstGeom prst="rect">
             <a:avLst/>
@@ -6634,7 +6639,7 @@
         </p:nvSpPr>
         <p:spPr>
           <a:xfrm>
-            <a:off x="623205" y="6379745"/>
+            <a:off x="623205" y="6369471"/>
             <a:ext cx="10582886" cy="369332"/>
           </a:xfrm>
           <a:prstGeom prst="rect">
@@ -8405,8 +8410,8 @@
         </p:nvSpPr>
         <p:spPr>
           <a:xfrm>
-            <a:off x="1" y="0"/>
-            <a:ext cx="11887199" cy="6858000"/>
+            <a:off x="71920" y="53630"/>
+            <a:ext cx="11733088" cy="6750740"/>
           </a:xfrm>
           <a:prstGeom prst="rect">
             <a:avLst/>
@@ -8462,7 +8467,7 @@
         </p:nvSpPr>
         <p:spPr>
           <a:xfrm>
-            <a:off x="652156" y="6435038"/>
+            <a:off x="652156" y="6424764"/>
             <a:ext cx="10582886" cy="369332"/>
           </a:xfrm>
           <a:prstGeom prst="rect">

--- a/images/security-drawings.pptx
+++ b/images/security-drawings.pptx
@@ -109,11 +109,6 @@
       </a:defRPr>
     </a:lvl9pPr>
   </p:defaultTextStyle>
-  <p:extLst>
-    <p:ext uri="{EFAFB233-063F-42B5-8137-9DF3F51BA10A}">
-      <p15:sldGuideLst xmlns:p15="http://schemas.microsoft.com/office/powerpoint/2012/main"/>
-    </p:ext>
-  </p:extLst>
 </p:presentation>
 </file>
 
@@ -3519,8 +3514,8 @@
         </p:nvSpPr>
         <p:spPr>
           <a:xfrm>
-            <a:off x="70156" y="92160"/>
-            <a:ext cx="11676733" cy="6639790"/>
+            <a:off x="74424" y="126050"/>
+            <a:ext cx="11672465" cy="6605900"/>
           </a:xfrm>
           <a:prstGeom prst="rect">
             <a:avLst/>
@@ -3577,8 +3572,8 @@
         </p:nvSpPr>
         <p:spPr>
           <a:xfrm>
-            <a:off x="652157" y="6321522"/>
-            <a:ext cx="10582886" cy="369332"/>
+            <a:off x="652157" y="6362618"/>
+            <a:ext cx="10582886" cy="338554"/>
           </a:xfrm>
           <a:prstGeom prst="rect">
             <a:avLst/>
@@ -3593,7 +3588,7 @@
           <a:p>
             <a:pPr algn="ctr"/>
             <a:r>
-              <a:rPr lang="en-US" b="1" dirty="0"/>
+              <a:rPr lang="en-US" sz="1600" b="1" dirty="0"/>
               <a:t>Authorization Code Grant with Amazon Cognito</a:t>
             </a:r>
           </a:p>
@@ -3614,9 +3609,9 @@
         <p:grpSpPr>
           <a:xfrm>
             <a:off x="147484" y="237548"/>
-            <a:ext cx="11599403" cy="6382904"/>
+            <a:ext cx="11599405" cy="6396603"/>
             <a:chOff x="624905" y="603207"/>
-            <a:chExt cx="10671547" cy="5642943"/>
+            <a:chExt cx="10671547" cy="5655054"/>
           </a:xfrm>
         </p:grpSpPr>
         <p:sp>
@@ -4551,7 +4546,7 @@
           <p:spPr>
             <a:xfrm>
               <a:off x="3189723" y="985241"/>
-              <a:ext cx="1697196" cy="283154"/>
+              <a:ext cx="1554119" cy="250328"/>
             </a:xfrm>
             <a:prstGeom prst="rect">
               <a:avLst/>
@@ -4565,7 +4560,7 @@
             <a:lstStyle/>
             <a:p>
               <a:r>
-                <a:rPr lang="en-US" sz="1240" b="1" dirty="0">
+                <a:rPr lang="en-US" sz="1240" dirty="0">
                   <a:solidFill>
                     <a:schemeClr val="accent5"/>
                   </a:solidFill>
@@ -4604,7 +4599,7 @@
             <a:lstStyle/>
             <a:p>
               <a:r>
-                <a:rPr lang="en-US" sz="1240" b="1" dirty="0">
+                <a:rPr lang="en-US" sz="1240" dirty="0">
                   <a:solidFill>
                     <a:schemeClr val="accent2"/>
                   </a:solidFill>
@@ -4719,7 +4714,7 @@
           <p:spPr>
             <a:xfrm>
               <a:off x="3468242" y="1694581"/>
-              <a:ext cx="926792" cy="283154"/>
+              <a:ext cx="839089" cy="250328"/>
             </a:xfrm>
             <a:prstGeom prst="rect">
               <a:avLst/>
@@ -4733,7 +4728,7 @@
             <a:lstStyle/>
             <a:p>
               <a:r>
-                <a:rPr lang="en-US" sz="1240" b="1" dirty="0">
+                <a:rPr lang="en-US" sz="1240" dirty="0">
                   <a:solidFill>
                     <a:schemeClr val="accent4"/>
                   </a:solidFill>
@@ -4758,7 +4753,7 @@
           <p:spPr>
             <a:xfrm>
               <a:off x="3242403" y="2004629"/>
-              <a:ext cx="2077457" cy="283154"/>
+              <a:ext cx="2077457" cy="250328"/>
             </a:xfrm>
             <a:prstGeom prst="rect">
               <a:avLst/>
@@ -4772,7 +4767,7 @@
             <a:lstStyle/>
             <a:p>
               <a:r>
-                <a:rPr lang="en-US" sz="1240" b="1" dirty="0">
+                <a:rPr lang="en-US" sz="1240" dirty="0">
                   <a:solidFill>
                     <a:schemeClr val="accent4"/>
                   </a:solidFill>
@@ -4841,8 +4836,8 @@
           </p:nvSpPr>
           <p:spPr>
             <a:xfrm>
-              <a:off x="3616440" y="2672970"/>
-              <a:ext cx="962379" cy="283154"/>
+              <a:off x="5434406" y="2659459"/>
+              <a:ext cx="870471" cy="250328"/>
             </a:xfrm>
             <a:prstGeom prst="rect">
               <a:avLst/>
@@ -4856,7 +4851,7 @@
             <a:lstStyle/>
             <a:p>
               <a:r>
-                <a:rPr lang="en-US" sz="1240" b="1" dirty="0">
+                <a:rPr lang="en-US" sz="1240" dirty="0">
                   <a:solidFill>
                     <a:schemeClr val="accent1"/>
                   </a:solidFill>
@@ -4926,7 +4921,7 @@
           <p:spPr>
             <a:xfrm>
               <a:off x="3237506" y="2260962"/>
-              <a:ext cx="1478097" cy="283154"/>
+              <a:ext cx="1324702" cy="250328"/>
             </a:xfrm>
             <a:prstGeom prst="rect">
               <a:avLst/>
@@ -4940,7 +4935,7 @@
             <a:lstStyle/>
             <a:p>
               <a:r>
-                <a:rPr lang="en-US" sz="1240" b="1" dirty="0">
+                <a:rPr lang="en-US" sz="1240" dirty="0">
                   <a:solidFill>
                     <a:schemeClr val="accent4"/>
                   </a:solidFill>
@@ -5568,7 +5563,7 @@
             <a:lstStyle/>
             <a:p>
               <a:r>
-                <a:rPr lang="en-US" sz="1240" b="1" dirty="0">
+                <a:rPr lang="en-US" sz="1240" dirty="0">
                   <a:solidFill>
                     <a:schemeClr val="accent6"/>
                   </a:solidFill>
@@ -5608,7 +5603,7 @@
             <a:p>
               <a:pPr algn="r"/>
               <a:r>
-                <a:rPr lang="en-US" sz="1240" b="1" dirty="0">
+                <a:rPr lang="en-US" sz="1240" dirty="0">
                   <a:solidFill>
                     <a:schemeClr val="accent6"/>
                   </a:solidFill>
@@ -5679,8 +5674,8 @@
           </p:nvSpPr>
           <p:spPr>
             <a:xfrm>
-              <a:off x="5173088" y="3863336"/>
-              <a:ext cx="962379" cy="283154"/>
+              <a:off x="5463890" y="3860801"/>
+              <a:ext cx="870471" cy="250328"/>
             </a:xfrm>
             <a:prstGeom prst="rect">
               <a:avLst/>
@@ -5694,7 +5689,7 @@
             <a:lstStyle/>
             <a:p>
               <a:r>
-                <a:rPr lang="en-US" sz="1240" b="1" dirty="0">
+                <a:rPr lang="en-US" sz="1240" dirty="0">
                   <a:solidFill>
                     <a:schemeClr val="accent1"/>
                   </a:solidFill>
@@ -6438,8 +6433,8 @@
           </p:nvSpPr>
           <p:spPr>
             <a:xfrm>
-              <a:off x="8992764" y="4191894"/>
-              <a:ext cx="1292854" cy="283154"/>
+              <a:off x="9021106" y="4191894"/>
+              <a:ext cx="1166606" cy="250328"/>
             </a:xfrm>
             <a:prstGeom prst="rect">
               <a:avLst/>
@@ -6453,7 +6448,7 @@
             <a:lstStyle/>
             <a:p>
               <a:r>
-                <a:rPr lang="en-US" sz="1240" b="1" dirty="0">
+                <a:rPr lang="en-US" sz="1240" dirty="0">
                   <a:solidFill>
                     <a:srgbClr val="7030A0"/>
                   </a:solidFill>
@@ -6478,7 +6473,7 @@
           <p:spPr>
             <a:xfrm>
               <a:off x="9016026" y="4525078"/>
-              <a:ext cx="1476173" cy="283154"/>
+              <a:ext cx="1329245" cy="250328"/>
             </a:xfrm>
             <a:prstGeom prst="rect">
               <a:avLst/>
@@ -6492,7 +6487,7 @@
             <a:lstStyle/>
             <a:p>
               <a:r>
-                <a:rPr lang="en-US" sz="1240" b="1" dirty="0">
+                <a:rPr lang="en-US" sz="1240" dirty="0">
                   <a:solidFill>
                     <a:srgbClr val="7030A0"/>
                   </a:solidFill>
@@ -6516,7 +6511,7 @@
           </p:nvSpPr>
           <p:spPr>
             <a:xfrm>
-              <a:off x="8795626" y="5390531"/>
+              <a:off x="8711410" y="5402642"/>
               <a:ext cx="2497579" cy="855619"/>
             </a:xfrm>
             <a:prstGeom prst="rect">
@@ -6582,8 +6577,8 @@
         </p:nvSpPr>
         <p:spPr>
           <a:xfrm>
-            <a:off x="39882" y="58046"/>
-            <a:ext cx="11754851" cy="6691031"/>
+            <a:off x="81871" y="93860"/>
+            <a:ext cx="11700826" cy="6655217"/>
           </a:xfrm>
           <a:prstGeom prst="rect">
             <a:avLst/>
@@ -6639,8 +6634,8 @@
         </p:nvSpPr>
         <p:spPr>
           <a:xfrm>
-            <a:off x="623205" y="6369471"/>
-            <a:ext cx="10582886" cy="369332"/>
+            <a:off x="623205" y="6379745"/>
+            <a:ext cx="10582886" cy="338554"/>
           </a:xfrm>
           <a:prstGeom prst="rect">
             <a:avLst/>
@@ -6655,7 +6650,7 @@
           <a:p>
             <a:pPr algn="ctr"/>
             <a:r>
-              <a:rPr lang="en-US" b="1" dirty="0"/>
+              <a:rPr lang="en-US" sz="1600" b="1" dirty="0"/>
               <a:t>Client Credentials Grant with Amazon Cognito</a:t>
             </a:r>
           </a:p>
@@ -6675,10 +6670,10 @@
         </p:nvGrpSpPr>
         <p:grpSpPr>
           <a:xfrm>
-            <a:off x="411793" y="255484"/>
-            <a:ext cx="11219768" cy="5889677"/>
-            <a:chOff x="707951" y="1037377"/>
-            <a:chExt cx="10040922" cy="4890395"/>
+            <a:off x="357628" y="255484"/>
+            <a:ext cx="11273933" cy="5889677"/>
+            <a:chOff x="659477" y="1037377"/>
+            <a:chExt cx="10089396" cy="4890395"/>
           </a:xfrm>
         </p:grpSpPr>
         <p:sp>
@@ -7266,7 +7261,7 @@
           <p:spPr>
             <a:xfrm>
               <a:off x="4256355" y="1399447"/>
-              <a:ext cx="1542987" cy="283154"/>
+              <a:ext cx="1342363" cy="235112"/>
             </a:xfrm>
             <a:prstGeom prst="rect">
               <a:avLst/>
@@ -7280,7 +7275,7 @@
             <a:lstStyle/>
             <a:p>
               <a:r>
-                <a:rPr lang="en-US" sz="1240" b="1" dirty="0">
+                <a:rPr lang="en-US" sz="1240" dirty="0">
                   <a:solidFill>
                     <a:schemeClr val="accent5"/>
                   </a:solidFill>
@@ -7305,7 +7300,7 @@
           <p:spPr>
             <a:xfrm>
               <a:off x="4229058" y="1970699"/>
-              <a:ext cx="1685590" cy="283154"/>
+              <a:ext cx="1502749" cy="235112"/>
             </a:xfrm>
             <a:prstGeom prst="rect">
               <a:avLst/>
@@ -7319,7 +7314,7 @@
             <a:lstStyle/>
             <a:p>
               <a:r>
-                <a:rPr lang="en-US" sz="1240" b="1" dirty="0">
+                <a:rPr lang="en-US" sz="1240" dirty="0">
                   <a:solidFill>
                     <a:schemeClr val="accent2"/>
                   </a:solidFill>
@@ -7343,8 +7338,8 @@
           </p:nvSpPr>
           <p:spPr>
             <a:xfrm>
-              <a:off x="952813" y="2578594"/>
-              <a:ext cx="644079" cy="473976"/>
+              <a:off x="943087" y="2970425"/>
+              <a:ext cx="644079" cy="393558"/>
             </a:xfrm>
             <a:prstGeom prst="rect">
               <a:avLst/>
@@ -7358,7 +7353,7 @@
             <a:lstStyle/>
             <a:p>
               <a:r>
-                <a:rPr lang="en-US" sz="1240" b="1" dirty="0">
+                <a:rPr lang="en-US" sz="1240" dirty="0">
                   <a:solidFill>
                     <a:schemeClr val="accent4"/>
                   </a:solidFill>
@@ -7428,7 +7423,7 @@
           <p:spPr>
             <a:xfrm>
               <a:off x="4308131" y="3929084"/>
-              <a:ext cx="1385764" cy="283154"/>
+              <a:ext cx="1212907" cy="235112"/>
             </a:xfrm>
             <a:prstGeom prst="rect">
               <a:avLst/>
@@ -7442,7 +7437,7 @@
             <a:lstStyle/>
             <a:p>
               <a:r>
-                <a:rPr lang="en-US" sz="1240" b="1" dirty="0">
+                <a:rPr lang="en-US" sz="1240" dirty="0">
                   <a:solidFill>
                     <a:schemeClr val="accent1"/>
                   </a:solidFill>
@@ -7580,7 +7575,7 @@
           </p:nvSpPr>
           <p:spPr>
             <a:xfrm>
-              <a:off x="707951" y="2655360"/>
+              <a:off x="659477" y="3053518"/>
               <a:ext cx="235136" cy="227373"/>
             </a:xfrm>
             <a:prstGeom prst="ellipse">
@@ -8006,7 +8001,7 @@
           <p:spPr>
             <a:xfrm>
               <a:off x="1940662" y="3003215"/>
-              <a:ext cx="887666" cy="473976"/>
+              <a:ext cx="887666" cy="393558"/>
             </a:xfrm>
             <a:prstGeom prst="rect">
               <a:avLst/>
@@ -8020,7 +8015,7 @@
             <a:lstStyle/>
             <a:p>
               <a:r>
-                <a:rPr lang="en-US" sz="1240" b="1" dirty="0">
+                <a:rPr lang="en-US" sz="1240" dirty="0">
                   <a:solidFill>
                     <a:schemeClr val="accent1"/>
                   </a:solidFill>
@@ -8410,8 +8405,8 @@
         </p:nvSpPr>
         <p:spPr>
           <a:xfrm>
-            <a:off x="71920" y="53630"/>
-            <a:ext cx="11733088" cy="6750740"/>
+            <a:off x="91440" y="53630"/>
+            <a:ext cx="11704320" cy="6750740"/>
           </a:xfrm>
           <a:prstGeom prst="rect">
             <a:avLst/>
@@ -8467,8 +8462,8 @@
         </p:nvSpPr>
         <p:spPr>
           <a:xfrm>
-            <a:off x="652156" y="6424764"/>
-            <a:ext cx="10582886" cy="369332"/>
+            <a:off x="652156" y="6435038"/>
+            <a:ext cx="10582886" cy="338554"/>
           </a:xfrm>
           <a:prstGeom prst="rect">
             <a:avLst/>
@@ -8483,7 +8478,7 @@
           <a:p>
             <a:pPr algn="ctr"/>
             <a:r>
-              <a:rPr lang="en-US" b="1" dirty="0"/>
+              <a:rPr lang="en-US" sz="1600" b="1" dirty="0"/>
               <a:t>Using Amazon API Gateway with Amazon Cognito to Protect Unity Services</a:t>
             </a:r>
           </a:p>
@@ -10380,7 +10375,7 @@
           </p:nvSpPr>
           <p:spPr>
             <a:xfrm>
-              <a:off x="6313277" y="2302653"/>
+              <a:off x="6131757" y="2369157"/>
               <a:ext cx="1189540" cy="664797"/>
             </a:xfrm>
             <a:prstGeom prst="rect">
@@ -10463,7 +10458,7 @@
           </p:nvSpPr>
           <p:spPr>
             <a:xfrm>
-              <a:off x="7630553" y="2386527"/>
+              <a:off x="7630553" y="2353275"/>
               <a:ext cx="1057305" cy="473976"/>
             </a:xfrm>
             <a:prstGeom prst="rect">
@@ -10821,7 +10816,7 @@
           <p:spPr>
             <a:xfrm>
               <a:off x="4965372" y="3587099"/>
-              <a:ext cx="1822615" cy="473976"/>
+              <a:ext cx="1582915" cy="402168"/>
             </a:xfrm>
             <a:prstGeom prst="rect">
               <a:avLst/>
@@ -10842,7 +10837,7 @@
                     </a:schemeClr>
                   </a:solidFill>
                 </a:rPr>
-                <a:t>7. Return 200 (successful </a:t>
+                <a:t>8. Return 200 (successful </a:t>
               </a:r>
             </a:p>
             <a:p>

--- a/images/security-drawings.pptx
+++ b/images/security-drawings.pptx
@@ -9160,7 +9160,7 @@
         </p:nvSpPr>
         <p:spPr>
           <a:xfrm>
-            <a:off x="91440" y="307255"/>
+            <a:off x="91440" y="123599"/>
             <a:ext cx="11704320" cy="6610801"/>
           </a:xfrm>
           <a:prstGeom prst="rect">
